--- a/paper/figures/FigGland/FigGland.pptx
+++ b/paper/figures/FigGland/FigGland.pptx
@@ -5,7 +5,7 @@
     <p:sldMasterId id="2147483648" r:id="rId1"/>
   </p:sldMasterIdLst>
   <p:sldIdLst>
-    <p:sldId id="256" r:id="rId2"/>
+    <p:sldId id="257" r:id="rId2"/>
   </p:sldIdLst>
   <p:sldSz cx="12601575" cy="9001125"/>
   <p:notesSz cx="6858000" cy="9144000"/>
@@ -288,7 +288,7 @@
           <a:p>
             <a:fld id="{530820CF-B880-4189-942D-D702A7CBA730}" type="datetimeFigureOut">
               <a:rPr lang="zh-CN" altLang="en-US" smtClean="0"/>
-              <a:t>2017/8/10</a:t>
+              <a:t>2017/9/3</a:t>
             </a:fld>
             <a:endParaRPr lang="zh-CN" altLang="en-US"/>
           </a:p>
@@ -453,7 +453,7 @@
           <a:p>
             <a:fld id="{530820CF-B880-4189-942D-D702A7CBA730}" type="datetimeFigureOut">
               <a:rPr lang="zh-CN" altLang="en-US" smtClean="0"/>
-              <a:t>2017/8/10</a:t>
+              <a:t>2017/9/3</a:t>
             </a:fld>
             <a:endParaRPr lang="zh-CN" altLang="en-US"/>
           </a:p>
@@ -628,7 +628,7 @@
           <a:p>
             <a:fld id="{530820CF-B880-4189-942D-D702A7CBA730}" type="datetimeFigureOut">
               <a:rPr lang="zh-CN" altLang="en-US" smtClean="0"/>
-              <a:t>2017/8/10</a:t>
+              <a:t>2017/9/3</a:t>
             </a:fld>
             <a:endParaRPr lang="zh-CN" altLang="en-US"/>
           </a:p>
@@ -793,7 +793,7 @@
           <a:p>
             <a:fld id="{530820CF-B880-4189-942D-D702A7CBA730}" type="datetimeFigureOut">
               <a:rPr lang="zh-CN" altLang="en-US" smtClean="0"/>
-              <a:t>2017/8/10</a:t>
+              <a:t>2017/9/3</a:t>
             </a:fld>
             <a:endParaRPr lang="zh-CN" altLang="en-US"/>
           </a:p>
@@ -1034,7 +1034,7 @@
           <a:p>
             <a:fld id="{530820CF-B880-4189-942D-D702A7CBA730}" type="datetimeFigureOut">
               <a:rPr lang="zh-CN" altLang="en-US" smtClean="0"/>
-              <a:t>2017/8/10</a:t>
+              <a:t>2017/9/3</a:t>
             </a:fld>
             <a:endParaRPr lang="zh-CN" altLang="en-US"/>
           </a:p>
@@ -1317,7 +1317,7 @@
           <a:p>
             <a:fld id="{530820CF-B880-4189-942D-D702A7CBA730}" type="datetimeFigureOut">
               <a:rPr lang="zh-CN" altLang="en-US" smtClean="0"/>
-              <a:t>2017/8/10</a:t>
+              <a:t>2017/9/3</a:t>
             </a:fld>
             <a:endParaRPr lang="zh-CN" altLang="en-US"/>
           </a:p>
@@ -1734,7 +1734,7 @@
           <a:p>
             <a:fld id="{530820CF-B880-4189-942D-D702A7CBA730}" type="datetimeFigureOut">
               <a:rPr lang="zh-CN" altLang="en-US" smtClean="0"/>
-              <a:t>2017/8/10</a:t>
+              <a:t>2017/9/3</a:t>
             </a:fld>
             <a:endParaRPr lang="zh-CN" altLang="en-US"/>
           </a:p>
@@ -1847,7 +1847,7 @@
           <a:p>
             <a:fld id="{530820CF-B880-4189-942D-D702A7CBA730}" type="datetimeFigureOut">
               <a:rPr lang="zh-CN" altLang="en-US" smtClean="0"/>
-              <a:t>2017/8/10</a:t>
+              <a:t>2017/9/3</a:t>
             </a:fld>
             <a:endParaRPr lang="zh-CN" altLang="en-US"/>
           </a:p>
@@ -1937,7 +1937,7 @@
           <a:p>
             <a:fld id="{530820CF-B880-4189-942D-D702A7CBA730}" type="datetimeFigureOut">
               <a:rPr lang="zh-CN" altLang="en-US" smtClean="0"/>
-              <a:t>2017/8/10</a:t>
+              <a:t>2017/9/3</a:t>
             </a:fld>
             <a:endParaRPr lang="zh-CN" altLang="en-US"/>
           </a:p>
@@ -2209,7 +2209,7 @@
           <a:p>
             <a:fld id="{530820CF-B880-4189-942D-D702A7CBA730}" type="datetimeFigureOut">
               <a:rPr lang="zh-CN" altLang="en-US" smtClean="0"/>
-              <a:t>2017/8/10</a:t>
+              <a:t>2017/9/3</a:t>
             </a:fld>
             <a:endParaRPr lang="zh-CN" altLang="en-US"/>
           </a:p>
@@ -2457,7 +2457,7 @@
           <a:p>
             <a:fld id="{530820CF-B880-4189-942D-D702A7CBA730}" type="datetimeFigureOut">
               <a:rPr lang="zh-CN" altLang="en-US" smtClean="0"/>
-              <a:t>2017/8/10</a:t>
+              <a:t>2017/9/3</a:t>
             </a:fld>
             <a:endParaRPr lang="zh-CN" altLang="en-US"/>
           </a:p>
@@ -2665,7 +2665,7 @@
           <a:p>
             <a:fld id="{530820CF-B880-4189-942D-D702A7CBA730}" type="datetimeFigureOut">
               <a:rPr lang="zh-CN" altLang="en-US" smtClean="0"/>
-              <a:t>2017/8/10</a:t>
+              <a:t>2017/9/3</a:t>
             </a:fld>
             <a:endParaRPr lang="zh-CN" altLang="en-US"/>
           </a:p>
@@ -3058,8 +3058,8 @@
         </p:blipFill>
         <p:spPr bwMode="auto">
           <a:xfrm>
-            <a:off x="1540470" y="180082"/>
-            <a:ext cx="1800000" cy="1800000"/>
+            <a:off x="1540469" y="180082"/>
+            <a:ext cx="2240037" cy="1800000"/>
           </a:xfrm>
           <a:prstGeom prst="rect">
             <a:avLst/>
@@ -3078,14 +3078,14 @@
       </p:pic>
       <p:pic>
         <p:nvPicPr>
-          <p:cNvPr id="9" name="Picture 7"/>
+          <p:cNvPr id="10" name="Picture 8"/>
           <p:cNvPicPr>
-            <a:picLocks noChangeAspect="1" noChangeArrowheads="1"/>
+            <a:picLocks noChangeArrowheads="1"/>
           </p:cNvPicPr>
           <p:nvPr/>
         </p:nvPicPr>
         <p:blipFill>
-          <a:blip r:embed="rId3" cstate="print">
+          <a:blip r:embed="rId3">
             <a:extLst>
               <a:ext uri="{28A0092B-C50C-407E-A947-70E740481C1C}">
                 <a14:useLocalDpi xmlns:a14="http://schemas.microsoft.com/office/drawing/2010/main" val="0"/>
@@ -3099,8 +3099,8 @@
         </p:blipFill>
         <p:spPr bwMode="auto">
           <a:xfrm>
-            <a:off x="1540470" y="4068648"/>
-            <a:ext cx="1800000" cy="1800000"/>
+            <a:off x="1540470" y="2100295"/>
+            <a:ext cx="2240036" cy="1800000"/>
           </a:xfrm>
           <a:prstGeom prst="rect">
             <a:avLst/>
@@ -3132,14 +3132,14 @@
       </p:pic>
       <p:pic>
         <p:nvPicPr>
-          <p:cNvPr id="10" name="Picture 8"/>
+          <p:cNvPr id="1042" name="Picture 18" descr="F:\ML\CV\IS\vesicleSeg\gland\data_build\img_gt\testA_57.png"/>
           <p:cNvPicPr>
-            <a:picLocks noChangeArrowheads="1"/>
+            <a:picLocks noChangeAspect="1" noChangeArrowheads="1"/>
           </p:cNvPicPr>
           <p:nvPr/>
         </p:nvPicPr>
         <p:blipFill>
-          <a:blip r:embed="rId4">
+          <a:blip r:embed="rId4" cstate="print">
             <a:extLst>
               <a:ext uri="{28A0092B-C50C-407E-A947-70E740481C1C}">
                 <a14:useLocalDpi xmlns:a14="http://schemas.microsoft.com/office/drawing/2010/main" val="0"/>
@@ -3153,40 +3153,27 @@
         </p:blipFill>
         <p:spPr bwMode="auto">
           <a:xfrm>
-            <a:off x="3583293" y="180082"/>
-            <a:ext cx="1800000" cy="1800000"/>
+            <a:off x="1540470" y="4020508"/>
+            <a:ext cx="2240036" cy="1800000"/>
           </a:xfrm>
           <a:prstGeom prst="rect">
             <a:avLst/>
           </a:prstGeom>
           <a:noFill/>
-          <a:ln>
-            <a:noFill/>
-          </a:ln>
           <a:extLst>
             <a:ext uri="{909E8E84-426E-40DD-AFC4-6F175D3DCCD1}">
               <a14:hiddenFill xmlns:a14="http://schemas.microsoft.com/office/drawing/2010/main">
                 <a:solidFill>
-                  <a:schemeClr val="accent1"/>
+                  <a:srgbClr val="FFFFFF"/>
                 </a:solidFill>
               </a14:hiddenFill>
-            </a:ext>
-            <a:ext uri="{91240B29-F687-4F45-9708-019B960494DF}">
-              <a14:hiddenLine xmlns:a14="http://schemas.microsoft.com/office/drawing/2010/main" w="9525">
-                <a:solidFill>
-                  <a:schemeClr val="tx1"/>
-                </a:solidFill>
-                <a:miter lim="800000"/>
-                <a:headEnd/>
-                <a:tailEnd/>
-              </a14:hiddenLine>
             </a:ext>
           </a:extLst>
         </p:spPr>
       </p:pic>
       <p:pic>
         <p:nvPicPr>
-          <p:cNvPr id="12" name="Picture 10"/>
+          <p:cNvPr id="1046" name="Picture 22" descr="F:\ML\CV\IS\vesicleSeg\gland\data_build\img_gt\testB_3.png"/>
           <p:cNvPicPr>
             <a:picLocks noChangeAspect="1" noChangeArrowheads="1"/>
           </p:cNvPicPr>
@@ -3207,42 +3194,149 @@
         </p:blipFill>
         <p:spPr bwMode="auto">
           <a:xfrm>
-            <a:off x="3583293" y="4068648"/>
-            <a:ext cx="1800000" cy="1800000"/>
+            <a:off x="1540470" y="5940722"/>
+            <a:ext cx="2240036" cy="1800000"/>
           </a:xfrm>
           <a:prstGeom prst="rect">
             <a:avLst/>
           </a:prstGeom>
           <a:noFill/>
-          <a:ln>
-            <a:noFill/>
-          </a:ln>
           <a:extLst>
             <a:ext uri="{909E8E84-426E-40DD-AFC4-6F175D3DCCD1}">
               <a14:hiddenFill xmlns:a14="http://schemas.microsoft.com/office/drawing/2010/main">
                 <a:solidFill>
-                  <a:schemeClr val="accent1"/>
+                  <a:srgbClr val="FFFFFF"/>
                 </a:solidFill>
               </a14:hiddenFill>
             </a:ext>
-            <a:ext uri="{91240B29-F687-4F45-9708-019B960494DF}">
-              <a14:hiddenLine xmlns:a14="http://schemas.microsoft.com/office/drawing/2010/main" w="9525">
-                <a:solidFill>
-                  <a:schemeClr val="tx1"/>
-                </a:solidFill>
-                <a:miter lim="800000"/>
-                <a:headEnd/>
-                <a:tailEnd/>
-              </a14:hiddenLine>
-            </a:ext>
           </a:extLst>
         </p:spPr>
       </p:pic>
+      <p:sp>
+        <p:nvSpPr>
+          <p:cNvPr id="14" name="TextBox 13"/>
+          <p:cNvSpPr txBox="1"/>
+          <p:nvPr/>
+        </p:nvSpPr>
+        <p:spPr>
+          <a:xfrm>
+            <a:off x="252115" y="3060402"/>
+            <a:ext cx="648072" cy="369332"/>
+          </a:xfrm>
+          <a:prstGeom prst="rect">
+            <a:avLst/>
+          </a:prstGeom>
+          <a:noFill/>
+        </p:spPr>
+        <p:txBody>
+          <a:bodyPr wrap="square" rtlCol="0">
+            <a:spAutoFit/>
+          </a:bodyPr>
+          <a:lstStyle/>
+          <a:p>
+            <a:r>
+              <a:rPr lang="en-US" altLang="zh-CN" dirty="0" smtClean="0"/>
+              <a:t>B3</a:t>
+            </a:r>
+            <a:endParaRPr lang="zh-CN" altLang="en-US" dirty="0"/>
+          </a:p>
+        </p:txBody>
+      </p:sp>
+      <p:sp>
+        <p:nvSpPr>
+          <p:cNvPr id="78" name="TextBox 77"/>
+          <p:cNvSpPr txBox="1"/>
+          <p:nvPr/>
+        </p:nvSpPr>
+        <p:spPr>
+          <a:xfrm>
+            <a:off x="404515" y="1980816"/>
+            <a:ext cx="648072" cy="369332"/>
+          </a:xfrm>
+          <a:prstGeom prst="rect">
+            <a:avLst/>
+          </a:prstGeom>
+          <a:noFill/>
+        </p:spPr>
+        <p:txBody>
+          <a:bodyPr wrap="square" rtlCol="0">
+            <a:spAutoFit/>
+          </a:bodyPr>
+          <a:lstStyle/>
+          <a:p>
+            <a:r>
+              <a:rPr lang="en-US" altLang="zh-CN" dirty="0" smtClean="0"/>
+              <a:t>A52</a:t>
+            </a:r>
+            <a:endParaRPr lang="zh-CN" altLang="en-US" dirty="0"/>
+          </a:p>
+        </p:txBody>
+      </p:sp>
+      <p:sp>
+        <p:nvSpPr>
+          <p:cNvPr id="83" name="TextBox 82"/>
+          <p:cNvSpPr txBox="1"/>
+          <p:nvPr/>
+        </p:nvSpPr>
+        <p:spPr>
+          <a:xfrm>
+            <a:off x="180107" y="2556346"/>
+            <a:ext cx="648072" cy="369332"/>
+          </a:xfrm>
+          <a:prstGeom prst="rect">
+            <a:avLst/>
+          </a:prstGeom>
+          <a:noFill/>
+        </p:spPr>
+        <p:txBody>
+          <a:bodyPr wrap="square" rtlCol="0">
+            <a:spAutoFit/>
+          </a:bodyPr>
+          <a:lstStyle/>
+          <a:p>
+            <a:r>
+              <a:rPr lang="en-US" altLang="zh-CN" dirty="0" smtClean="0"/>
+              <a:t>A57</a:t>
+            </a:r>
+            <a:endParaRPr lang="zh-CN" altLang="en-US" dirty="0"/>
+          </a:p>
+        </p:txBody>
+      </p:sp>
+      <p:sp>
+        <p:nvSpPr>
+          <p:cNvPr id="87" name="TextBox 86"/>
+          <p:cNvSpPr txBox="1"/>
+          <p:nvPr/>
+        </p:nvSpPr>
+        <p:spPr>
+          <a:xfrm>
+            <a:off x="404515" y="1404218"/>
+            <a:ext cx="648072" cy="369332"/>
+          </a:xfrm>
+          <a:prstGeom prst="rect">
+            <a:avLst/>
+          </a:prstGeom>
+          <a:noFill/>
+        </p:spPr>
+        <p:txBody>
+          <a:bodyPr wrap="square" rtlCol="0">
+            <a:spAutoFit/>
+          </a:bodyPr>
+          <a:lstStyle/>
+          <a:p>
+            <a:r>
+              <a:rPr lang="en-US" altLang="zh-CN" dirty="0" smtClean="0"/>
+              <a:t>A5</a:t>
+            </a:r>
+            <a:endParaRPr lang="zh-CN" altLang="en-US" dirty="0"/>
+          </a:p>
+        </p:txBody>
+      </p:sp>
       <p:pic>
         <p:nvPicPr>
-          <p:cNvPr id="1042" name="Picture 18" descr="F:\ML\CV\IS\vesicleSeg\gland\data_build\img_gt\testA_57.png"/>
+          <p:cNvPr id="22" name="Picture 34"/>
           <p:cNvPicPr>
-            <a:picLocks noChangeAspect="1" noChangeArrowheads="1"/>
+            <a:picLocks noChangeArrowheads="1"/>
           </p:cNvPicPr>
           <p:nvPr/>
         </p:nvPicPr>
@@ -3261,29 +3355,42 @@
         </p:blipFill>
         <p:spPr bwMode="auto">
           <a:xfrm>
-            <a:off x="5626116" y="180082"/>
-            <a:ext cx="1800000" cy="1800000"/>
+            <a:off x="3919888" y="180082"/>
+            <a:ext cx="2239200" cy="1620000"/>
           </a:xfrm>
           <a:prstGeom prst="rect">
             <a:avLst/>
           </a:prstGeom>
           <a:noFill/>
+          <a:ln>
+            <a:noFill/>
+          </a:ln>
           <a:extLst>
             <a:ext uri="{909E8E84-426E-40DD-AFC4-6F175D3DCCD1}">
               <a14:hiddenFill xmlns:a14="http://schemas.microsoft.com/office/drawing/2010/main">
                 <a:solidFill>
-                  <a:srgbClr val="FFFFFF"/>
+                  <a:schemeClr val="accent1"/>
                 </a:solidFill>
               </a14:hiddenFill>
+            </a:ext>
+            <a:ext uri="{91240B29-F687-4F45-9708-019B960494DF}">
+              <a14:hiddenLine xmlns:a14="http://schemas.microsoft.com/office/drawing/2010/main" w="9525">
+                <a:solidFill>
+                  <a:schemeClr val="tx1"/>
+                </a:solidFill>
+                <a:miter lim="800000"/>
+                <a:headEnd/>
+                <a:tailEnd/>
+              </a14:hiddenLine>
             </a:ext>
           </a:extLst>
         </p:spPr>
       </p:pic>
       <p:pic>
         <p:nvPicPr>
-          <p:cNvPr id="1045" name="Picture 21"/>
+          <p:cNvPr id="23" name="Picture 32"/>
           <p:cNvPicPr>
-            <a:picLocks noChangeAspect="1" noChangeArrowheads="1"/>
+            <a:picLocks noChangeArrowheads="1"/>
           </p:cNvPicPr>
           <p:nvPr/>
         </p:nvPicPr>
@@ -3302,8 +3409,8 @@
         </p:blipFill>
         <p:spPr bwMode="auto">
           <a:xfrm>
-            <a:off x="5626116" y="4068648"/>
-            <a:ext cx="1800000" cy="1800000"/>
+            <a:off x="3919888" y="2100295"/>
+            <a:ext cx="2239200" cy="1800000"/>
           </a:xfrm>
           <a:prstGeom prst="rect">
             <a:avLst/>
@@ -3335,7 +3442,7 @@
       </p:pic>
       <p:pic>
         <p:nvPicPr>
-          <p:cNvPr id="1046" name="Picture 22" descr="F:\ML\CV\IS\vesicleSeg\gland\data_build\img_gt\testB_3.png"/>
+          <p:cNvPr id="24" name="Picture 33"/>
           <p:cNvPicPr>
             <a:picLocks noChangeAspect="1" noChangeArrowheads="1"/>
           </p:cNvPicPr>
@@ -3356,27 +3463,40 @@
         </p:blipFill>
         <p:spPr bwMode="auto">
           <a:xfrm>
-            <a:off x="7668939" y="180082"/>
-            <a:ext cx="1800000" cy="1800000"/>
+            <a:off x="3919888" y="4020508"/>
+            <a:ext cx="2239200" cy="1800000"/>
           </a:xfrm>
           <a:prstGeom prst="rect">
             <a:avLst/>
           </a:prstGeom>
           <a:noFill/>
+          <a:ln>
+            <a:noFill/>
+          </a:ln>
           <a:extLst>
             <a:ext uri="{909E8E84-426E-40DD-AFC4-6F175D3DCCD1}">
               <a14:hiddenFill xmlns:a14="http://schemas.microsoft.com/office/drawing/2010/main">
                 <a:solidFill>
-                  <a:srgbClr val="FFFFFF"/>
+                  <a:schemeClr val="accent1"/>
                 </a:solidFill>
               </a14:hiddenFill>
+            </a:ext>
+            <a:ext uri="{91240B29-F687-4F45-9708-019B960494DF}">
+              <a14:hiddenLine xmlns:a14="http://schemas.microsoft.com/office/drawing/2010/main" w="9525">
+                <a:solidFill>
+                  <a:schemeClr val="tx1"/>
+                </a:solidFill>
+                <a:miter lim="800000"/>
+                <a:headEnd/>
+                <a:tailEnd/>
+              </a14:hiddenLine>
             </a:ext>
           </a:extLst>
         </p:spPr>
       </p:pic>
       <p:pic>
         <p:nvPicPr>
-          <p:cNvPr id="1047" name="Picture 23"/>
+          <p:cNvPr id="25" name="Picture 30"/>
           <p:cNvPicPr>
             <a:picLocks noChangeAspect="1" noChangeArrowheads="1"/>
           </p:cNvPicPr>
@@ -3397,8 +3517,8 @@
         </p:blipFill>
         <p:spPr bwMode="auto">
           <a:xfrm>
-            <a:off x="7668940" y="4068648"/>
-            <a:ext cx="1800000" cy="1800000"/>
+            <a:off x="3924523" y="5940722"/>
+            <a:ext cx="2239200" cy="1800000"/>
           </a:xfrm>
           <a:prstGeom prst="rect">
             <a:avLst/>
@@ -3430,9 +3550,9 @@
       </p:pic>
       <p:pic>
         <p:nvPicPr>
-          <p:cNvPr id="1048" name="Picture 24"/>
+          <p:cNvPr id="26" name="Picture 7"/>
           <p:cNvPicPr>
-            <a:picLocks noChangeAspect="1" noChangeArrowheads="1"/>
+            <a:picLocks noChangeArrowheads="1"/>
           </p:cNvPicPr>
           <p:nvPr/>
         </p:nvPicPr>
@@ -3451,8 +3571,8 @@
         </p:blipFill>
         <p:spPr bwMode="auto">
           <a:xfrm>
-            <a:off x="7668940" y="6012930"/>
-            <a:ext cx="1799999" cy="1800000"/>
+            <a:off x="6298470" y="180816"/>
+            <a:ext cx="2239200" cy="1620000"/>
           </a:xfrm>
           <a:prstGeom prst="rect">
             <a:avLst/>
@@ -3484,9 +3604,9 @@
       </p:pic>
       <p:pic>
         <p:nvPicPr>
-          <p:cNvPr id="1051" name="Picture 27"/>
+          <p:cNvPr id="27" name="Picture 27"/>
           <p:cNvPicPr>
-            <a:picLocks noChangeAspect="1" noChangeArrowheads="1"/>
+            <a:picLocks noChangeArrowheads="1"/>
           </p:cNvPicPr>
           <p:nvPr/>
         </p:nvPicPr>
@@ -3505,8 +3625,8 @@
         </p:blipFill>
         <p:spPr bwMode="auto">
           <a:xfrm>
-            <a:off x="1536705" y="6012930"/>
-            <a:ext cx="1807531" cy="1800000"/>
+            <a:off x="8677051" y="180816"/>
+            <a:ext cx="2239200" cy="1800000"/>
           </a:xfrm>
           <a:prstGeom prst="rect">
             <a:avLst/>
@@ -3538,7 +3658,7 @@
       </p:pic>
       <p:pic>
         <p:nvPicPr>
-          <p:cNvPr id="1052" name="Picture 28"/>
+          <p:cNvPr id="28" name="Picture 10"/>
           <p:cNvPicPr>
             <a:picLocks noChangeAspect="1" noChangeArrowheads="1"/>
           </p:cNvPicPr>
@@ -3559,8 +3679,8 @@
         </p:blipFill>
         <p:spPr bwMode="auto">
           <a:xfrm>
-            <a:off x="3583293" y="6012930"/>
-            <a:ext cx="1800000" cy="1800000"/>
+            <a:off x="6298470" y="2100295"/>
+            <a:ext cx="2239200" cy="1800000"/>
           </a:xfrm>
           <a:prstGeom prst="rect">
             <a:avLst/>
@@ -3592,7 +3712,7 @@
       </p:pic>
       <p:pic>
         <p:nvPicPr>
-          <p:cNvPr id="1053" name="Picture 29"/>
+          <p:cNvPr id="29" name="Picture 21"/>
           <p:cNvPicPr>
             <a:picLocks noChangeAspect="1" noChangeArrowheads="1"/>
           </p:cNvPicPr>
@@ -3613,8 +3733,8 @@
         </p:blipFill>
         <p:spPr bwMode="auto">
           <a:xfrm>
-            <a:off x="5626116" y="6012930"/>
-            <a:ext cx="1800000" cy="1800000"/>
+            <a:off x="6298470" y="4020508"/>
+            <a:ext cx="2239200" cy="1800000"/>
           </a:xfrm>
           <a:prstGeom prst="rect">
             <a:avLst/>
@@ -3646,7 +3766,7 @@
       </p:pic>
       <p:pic>
         <p:nvPicPr>
-          <p:cNvPr id="1054" name="Picture 30"/>
+          <p:cNvPr id="30" name="Picture 23"/>
           <p:cNvPicPr>
             <a:picLocks noChangeAspect="1" noChangeArrowheads="1"/>
           </p:cNvPicPr>
@@ -3667,8 +3787,8 @@
         </p:blipFill>
         <p:spPr bwMode="auto">
           <a:xfrm>
-            <a:off x="7665181" y="2124365"/>
-            <a:ext cx="1803758" cy="1800000"/>
+            <a:off x="6298470" y="5940722"/>
+            <a:ext cx="2239200" cy="1800000"/>
           </a:xfrm>
           <a:prstGeom prst="rect">
             <a:avLst/>
@@ -3698,69 +3818,9 @@
           </a:extLst>
         </p:spPr>
       </p:pic>
-      <p:sp>
-        <p:nvSpPr>
-          <p:cNvPr id="14" name="TextBox 13"/>
-          <p:cNvSpPr txBox="1"/>
-          <p:nvPr/>
-        </p:nvSpPr>
-        <p:spPr>
-          <a:xfrm>
-            <a:off x="252115" y="3060402"/>
-            <a:ext cx="648072" cy="369332"/>
-          </a:xfrm>
-          <a:prstGeom prst="rect">
-            <a:avLst/>
-          </a:prstGeom>
-          <a:noFill/>
-        </p:spPr>
-        <p:txBody>
-          <a:bodyPr wrap="square" rtlCol="0">
-            <a:spAutoFit/>
-          </a:bodyPr>
-          <a:lstStyle/>
-          <a:p>
-            <a:r>
-              <a:rPr lang="en-US" altLang="zh-CN" dirty="0" smtClean="0"/>
-              <a:t>B3</a:t>
-            </a:r>
-            <a:endParaRPr lang="zh-CN" altLang="en-US" dirty="0"/>
-          </a:p>
-        </p:txBody>
-      </p:sp>
-      <p:sp>
-        <p:nvSpPr>
-          <p:cNvPr id="78" name="TextBox 77"/>
-          <p:cNvSpPr txBox="1"/>
-          <p:nvPr/>
-        </p:nvSpPr>
-        <p:spPr>
-          <a:xfrm>
-            <a:off x="404515" y="1980816"/>
-            <a:ext cx="648072" cy="369332"/>
-          </a:xfrm>
-          <a:prstGeom prst="rect">
-            <a:avLst/>
-          </a:prstGeom>
-          <a:noFill/>
-        </p:spPr>
-        <p:txBody>
-          <a:bodyPr wrap="square" rtlCol="0">
-            <a:spAutoFit/>
-          </a:bodyPr>
-          <a:lstStyle/>
-          <a:p>
-            <a:r>
-              <a:rPr lang="en-US" altLang="zh-CN" dirty="0" smtClean="0"/>
-              <a:t>A52</a:t>
-            </a:r>
-            <a:endParaRPr lang="zh-CN" altLang="en-US" dirty="0"/>
-          </a:p>
-        </p:txBody>
-      </p:sp>
       <p:pic>
         <p:nvPicPr>
-          <p:cNvPr id="1056" name="Picture 32"/>
+          <p:cNvPr id="31" name="Picture 28"/>
           <p:cNvPicPr>
             <a:picLocks noChangeAspect="1" noChangeArrowheads="1"/>
           </p:cNvPicPr>
@@ -3781,8 +3841,8 @@
         </p:blipFill>
         <p:spPr bwMode="auto">
           <a:xfrm>
-            <a:off x="3583293" y="2124365"/>
-            <a:ext cx="1800000" cy="1800000"/>
+            <a:off x="8677051" y="2100295"/>
+            <a:ext cx="2239200" cy="1800000"/>
           </a:xfrm>
           <a:prstGeom prst="rect">
             <a:avLst/>
@@ -3814,7 +3874,7 @@
       </p:pic>
       <p:pic>
         <p:nvPicPr>
-          <p:cNvPr id="1057" name="Picture 33"/>
+          <p:cNvPr id="32" name="Picture 29"/>
           <p:cNvPicPr>
             <a:picLocks noChangeAspect="1" noChangeArrowheads="1"/>
           </p:cNvPicPr>
@@ -3835,8 +3895,8 @@
         </p:blipFill>
         <p:spPr bwMode="auto">
           <a:xfrm>
-            <a:off x="5625917" y="2124365"/>
-            <a:ext cx="1792500" cy="1800000"/>
+            <a:off x="8677051" y="4020508"/>
+            <a:ext cx="2239200" cy="1800000"/>
           </a:xfrm>
           <a:prstGeom prst="rect">
             <a:avLst/>
@@ -3866,69 +3926,9 @@
           </a:extLst>
         </p:spPr>
       </p:pic>
-      <p:sp>
-        <p:nvSpPr>
-          <p:cNvPr id="83" name="TextBox 82"/>
-          <p:cNvSpPr txBox="1"/>
-          <p:nvPr/>
-        </p:nvSpPr>
-        <p:spPr>
-          <a:xfrm>
-            <a:off x="180107" y="2556346"/>
-            <a:ext cx="648072" cy="369332"/>
-          </a:xfrm>
-          <a:prstGeom prst="rect">
-            <a:avLst/>
-          </a:prstGeom>
-          <a:noFill/>
-        </p:spPr>
-        <p:txBody>
-          <a:bodyPr wrap="square" rtlCol="0">
-            <a:spAutoFit/>
-          </a:bodyPr>
-          <a:lstStyle/>
-          <a:p>
-            <a:r>
-              <a:rPr lang="en-US" altLang="zh-CN" dirty="0" smtClean="0"/>
-              <a:t>A57</a:t>
-            </a:r>
-            <a:endParaRPr lang="zh-CN" altLang="en-US" dirty="0"/>
-          </a:p>
-        </p:txBody>
-      </p:sp>
-      <p:sp>
-        <p:nvSpPr>
-          <p:cNvPr id="87" name="TextBox 86"/>
-          <p:cNvSpPr txBox="1"/>
-          <p:nvPr/>
-        </p:nvSpPr>
-        <p:spPr>
-          <a:xfrm>
-            <a:off x="404515" y="1404218"/>
-            <a:ext cx="648072" cy="369332"/>
-          </a:xfrm>
-          <a:prstGeom prst="rect">
-            <a:avLst/>
-          </a:prstGeom>
-          <a:noFill/>
-        </p:spPr>
-        <p:txBody>
-          <a:bodyPr wrap="square" rtlCol="0">
-            <a:spAutoFit/>
-          </a:bodyPr>
-          <a:lstStyle/>
-          <a:p>
-            <a:r>
-              <a:rPr lang="en-US" altLang="zh-CN" dirty="0" smtClean="0"/>
-              <a:t>A5</a:t>
-            </a:r>
-            <a:endParaRPr lang="zh-CN" altLang="en-US" dirty="0"/>
-          </a:p>
-        </p:txBody>
-      </p:sp>
       <p:pic>
         <p:nvPicPr>
-          <p:cNvPr id="1058" name="Picture 34"/>
+          <p:cNvPr id="33" name="Picture 24"/>
           <p:cNvPicPr>
             <a:picLocks noChangeAspect="1" noChangeArrowheads="1"/>
           </p:cNvPicPr>
@@ -3949,8 +3949,8 @@
         </p:blipFill>
         <p:spPr bwMode="auto">
           <a:xfrm>
-            <a:off x="1540470" y="2124365"/>
-            <a:ext cx="1800000" cy="1800000"/>
+            <a:off x="8677051" y="5940722"/>
+            <a:ext cx="2239200" cy="1800000"/>
           </a:xfrm>
           <a:prstGeom prst="rect">
             <a:avLst/>
@@ -3980,10 +3980,130 @@
           </a:extLst>
         </p:spPr>
       </p:pic>
+      <p:sp>
+        <p:nvSpPr>
+          <p:cNvPr id="2" name="TextBox 1"/>
+          <p:cNvSpPr txBox="1"/>
+          <p:nvPr/>
+        </p:nvSpPr>
+        <p:spPr>
+          <a:xfrm>
+            <a:off x="2340347" y="7731630"/>
+            <a:ext cx="504056" cy="369332"/>
+          </a:xfrm>
+          <a:prstGeom prst="rect">
+            <a:avLst/>
+          </a:prstGeom>
+          <a:noFill/>
+        </p:spPr>
+        <p:txBody>
+          <a:bodyPr wrap="square" rtlCol="0">
+            <a:spAutoFit/>
+          </a:bodyPr>
+          <a:lstStyle/>
+          <a:p>
+            <a:r>
+              <a:rPr lang="en-US" altLang="zh-CN" dirty="0" smtClean="0"/>
+              <a:t>(a)</a:t>
+            </a:r>
+            <a:endParaRPr lang="zh-CN" altLang="en-US" dirty="0"/>
+          </a:p>
+        </p:txBody>
+      </p:sp>
+      <p:sp>
+        <p:nvSpPr>
+          <p:cNvPr id="35" name="TextBox 34"/>
+          <p:cNvSpPr txBox="1"/>
+          <p:nvPr/>
+        </p:nvSpPr>
+        <p:spPr>
+          <a:xfrm>
+            <a:off x="4787460" y="7731630"/>
+            <a:ext cx="504056" cy="369332"/>
+          </a:xfrm>
+          <a:prstGeom prst="rect">
+            <a:avLst/>
+          </a:prstGeom>
+          <a:noFill/>
+        </p:spPr>
+        <p:txBody>
+          <a:bodyPr wrap="square" rtlCol="0">
+            <a:spAutoFit/>
+          </a:bodyPr>
+          <a:lstStyle/>
+          <a:p>
+            <a:r>
+              <a:rPr lang="en-US" altLang="zh-CN" dirty="0" smtClean="0"/>
+              <a:t>(b)</a:t>
+            </a:r>
+            <a:endParaRPr lang="zh-CN" altLang="en-US" dirty="0"/>
+          </a:p>
+        </p:txBody>
+      </p:sp>
+      <p:sp>
+        <p:nvSpPr>
+          <p:cNvPr id="36" name="TextBox 35"/>
+          <p:cNvSpPr txBox="1"/>
+          <p:nvPr/>
+        </p:nvSpPr>
+        <p:spPr>
+          <a:xfrm>
+            <a:off x="7166042" y="7731630"/>
+            <a:ext cx="504056" cy="369332"/>
+          </a:xfrm>
+          <a:prstGeom prst="rect">
+            <a:avLst/>
+          </a:prstGeom>
+          <a:noFill/>
+        </p:spPr>
+        <p:txBody>
+          <a:bodyPr wrap="square" rtlCol="0">
+            <a:spAutoFit/>
+          </a:bodyPr>
+          <a:lstStyle/>
+          <a:p>
+            <a:r>
+              <a:rPr lang="en-US" altLang="zh-CN" dirty="0" smtClean="0"/>
+              <a:t>(c)</a:t>
+            </a:r>
+            <a:endParaRPr lang="zh-CN" altLang="en-US" dirty="0"/>
+          </a:p>
+        </p:txBody>
+      </p:sp>
+      <p:sp>
+        <p:nvSpPr>
+          <p:cNvPr id="37" name="TextBox 36"/>
+          <p:cNvSpPr txBox="1"/>
+          <p:nvPr/>
+        </p:nvSpPr>
+        <p:spPr>
+          <a:xfrm>
+            <a:off x="9544623" y="7731630"/>
+            <a:ext cx="504056" cy="369332"/>
+          </a:xfrm>
+          <a:prstGeom prst="rect">
+            <a:avLst/>
+          </a:prstGeom>
+          <a:noFill/>
+        </p:spPr>
+        <p:txBody>
+          <a:bodyPr wrap="square" rtlCol="0">
+            <a:spAutoFit/>
+          </a:bodyPr>
+          <a:lstStyle/>
+          <a:p>
+            <a:r>
+              <a:rPr lang="en-US" altLang="zh-CN" dirty="0" smtClean="0"/>
+              <a:t>(d)</a:t>
+            </a:r>
+            <a:endParaRPr lang="zh-CN" altLang="en-US" dirty="0"/>
+          </a:p>
+        </p:txBody>
+      </p:sp>
     </p:spTree>
     <p:extLst>
       <p:ext uri="{BB962C8B-B14F-4D97-AF65-F5344CB8AC3E}">
-        <p14:creationId xmlns:p14="http://schemas.microsoft.com/office/powerpoint/2010/main" val="2371249232"/>
+        <p14:creationId xmlns:p14="http://schemas.microsoft.com/office/powerpoint/2010/main" val="949759812"/>
       </p:ext>
     </p:extLst>
   </p:cSld>
